--- a/毕设提交/ppt/答辩ppt.pptx
+++ b/毕设提交/ppt/答辩ppt.pptx
@@ -241,7 +241,7 @@
           <a:p>
             <a:fld id="{558B725A-BFDD-44D0-A8D3-61766B07B7F1}" type="datetimeFigureOut">
               <a:rPr lang="zh-CN" altLang="en-US" smtClean="0"/>
-              <a:t>2020/6/4</a:t>
+              <a:t>2020/6/5</a:t>
             </a:fld>
             <a:endParaRPr lang="zh-CN" altLang="en-US"/>
           </a:p>
@@ -3241,7 +3241,7 @@
           <a:p>
             <a:fld id="{8AF6F278-ABF0-48CA-ADF0-1D43CCA8A181}" type="datetimeFigureOut">
               <a:rPr lang="zh-CN" altLang="en-US" smtClean="0"/>
-              <a:t>2020/6/4</a:t>
+              <a:t>2020/6/5</a:t>
             </a:fld>
             <a:endParaRPr lang="zh-CN" altLang="en-US"/>
           </a:p>
@@ -3417,7 +3417,7 @@
           <a:p>
             <a:fld id="{8AF6F278-ABF0-48CA-ADF0-1D43CCA8A181}" type="datetimeFigureOut">
               <a:rPr lang="zh-CN" altLang="en-US" smtClean="0"/>
-              <a:t>2020/6/4</a:t>
+              <a:t>2020/6/5</a:t>
             </a:fld>
             <a:endParaRPr lang="zh-CN" altLang="en-US"/>
           </a:p>
@@ -3603,7 +3603,7 @@
           <a:p>
             <a:fld id="{8AF6F278-ABF0-48CA-ADF0-1D43CCA8A181}" type="datetimeFigureOut">
               <a:rPr lang="zh-CN" altLang="en-US" smtClean="0"/>
-              <a:t>2020/6/4</a:t>
+              <a:t>2020/6/5</a:t>
             </a:fld>
             <a:endParaRPr lang="zh-CN" altLang="en-US"/>
           </a:p>
@@ -3779,7 +3779,7 @@
           <a:p>
             <a:fld id="{8AF6F278-ABF0-48CA-ADF0-1D43CCA8A181}" type="datetimeFigureOut">
               <a:rPr lang="zh-CN" altLang="en-US" smtClean="0"/>
-              <a:t>2020/6/4</a:t>
+              <a:t>2020/6/5</a:t>
             </a:fld>
             <a:endParaRPr lang="zh-CN" altLang="en-US"/>
           </a:p>
@@ -4032,7 +4032,7 @@
           <a:p>
             <a:fld id="{8AF6F278-ABF0-48CA-ADF0-1D43CCA8A181}" type="datetimeFigureOut">
               <a:rPr lang="zh-CN" altLang="en-US" smtClean="0"/>
-              <a:t>2020/6/4</a:t>
+              <a:t>2020/6/5</a:t>
             </a:fld>
             <a:endParaRPr lang="zh-CN" altLang="en-US"/>
           </a:p>
@@ -4269,7 +4269,7 @@
           <a:p>
             <a:fld id="{8AF6F278-ABF0-48CA-ADF0-1D43CCA8A181}" type="datetimeFigureOut">
               <a:rPr lang="zh-CN" altLang="en-US" smtClean="0"/>
-              <a:t>2020/6/4</a:t>
+              <a:t>2020/6/5</a:t>
             </a:fld>
             <a:endParaRPr lang="zh-CN" altLang="en-US"/>
           </a:p>
@@ -4641,7 +4641,7 @@
           <a:p>
             <a:fld id="{8AF6F278-ABF0-48CA-ADF0-1D43CCA8A181}" type="datetimeFigureOut">
               <a:rPr lang="zh-CN" altLang="en-US" smtClean="0"/>
-              <a:t>2020/6/4</a:t>
+              <a:t>2020/6/5</a:t>
             </a:fld>
             <a:endParaRPr lang="zh-CN" altLang="en-US"/>
           </a:p>
@@ -4766,7 +4766,7 @@
           <a:p>
             <a:fld id="{8AF6F278-ABF0-48CA-ADF0-1D43CCA8A181}" type="datetimeFigureOut">
               <a:rPr lang="zh-CN" altLang="en-US" smtClean="0"/>
-              <a:t>2020/6/4</a:t>
+              <a:t>2020/6/5</a:t>
             </a:fld>
             <a:endParaRPr lang="zh-CN" altLang="en-US"/>
           </a:p>
@@ -4869,7 +4869,7 @@
           <a:p>
             <a:fld id="{8AF6F278-ABF0-48CA-ADF0-1D43CCA8A181}" type="datetimeFigureOut">
               <a:rPr lang="zh-CN" altLang="en-US" smtClean="0"/>
-              <a:t>2020/6/4</a:t>
+              <a:t>2020/6/5</a:t>
             </a:fld>
             <a:endParaRPr lang="zh-CN" altLang="en-US"/>
           </a:p>
@@ -5152,7 +5152,7 @@
           <a:p>
             <a:fld id="{8AF6F278-ABF0-48CA-ADF0-1D43CCA8A181}" type="datetimeFigureOut">
               <a:rPr lang="zh-CN" altLang="en-US" smtClean="0"/>
-              <a:t>2020/6/4</a:t>
+              <a:t>2020/6/5</a:t>
             </a:fld>
             <a:endParaRPr lang="zh-CN" altLang="en-US"/>
           </a:p>
@@ -5412,7 +5412,7 @@
           <a:p>
             <a:fld id="{8AF6F278-ABF0-48CA-ADF0-1D43CCA8A181}" type="datetimeFigureOut">
               <a:rPr lang="zh-CN" altLang="en-US" smtClean="0"/>
-              <a:t>2020/6/4</a:t>
+              <a:t>2020/6/5</a:t>
             </a:fld>
             <a:endParaRPr lang="zh-CN" altLang="en-US"/>
           </a:p>
@@ -5631,7 +5631,7 @@
           <a:p>
             <a:fld id="{8AF6F278-ABF0-48CA-ADF0-1D43CCA8A181}" type="datetimeFigureOut">
               <a:rPr lang="zh-CN" altLang="en-US" smtClean="0"/>
-              <a:t>2020/6/4</a:t>
+              <a:t>2020/6/5</a:t>
             </a:fld>
             <a:endParaRPr lang="zh-CN" altLang="en-US"/>
           </a:p>
@@ -6319,45 +6319,6 @@
           </a:p>
         </p:txBody>
       </p:sp>
-      <p:sp>
-        <p:nvSpPr>
-          <p:cNvPr id="17" name="文本框 16"/>
-          <p:cNvSpPr txBox="1"/>
-          <p:nvPr/>
-        </p:nvSpPr>
-        <p:spPr>
-          <a:xfrm>
-            <a:off x="3887738" y="4595686"/>
-            <a:ext cx="4416523" cy="369332"/>
-          </a:xfrm>
-          <a:prstGeom prst="rect">
-            <a:avLst/>
-          </a:prstGeom>
-          <a:noFill/>
-        </p:spPr>
-        <p:txBody>
-          <a:bodyPr wrap="square" rtlCol="0">
-            <a:spAutoFit/>
-          </a:bodyPr>
-          <a:lstStyle/>
-          <a:p>
-            <a:pPr algn="ctr"/>
-            <a:r>
-              <a:rPr lang="zh-CN" altLang="en-US" dirty="0">
-                <a:solidFill>
-                  <a:schemeClr val="tx1">
-                    <a:lumMod val="85000"/>
-                    <a:lumOff val="15000"/>
-                  </a:schemeClr>
-                </a:solidFill>
-                <a:latin typeface="微软雅黑" panose="020B0503020204020204" pitchFamily="34" charset="-122"/>
-                <a:ea typeface="微软雅黑" panose="020B0503020204020204" pitchFamily="34" charset="-122"/>
-              </a:rPr>
-              <a:t>指导教师：张伟   黄增峰   答辩人：刘唐</a:t>
-            </a:r>
-          </a:p>
-        </p:txBody>
-      </p:sp>
       <p:cxnSp>
         <p:nvCxnSpPr>
           <p:cNvPr id="18" name="直接连接符 17"/>
@@ -6424,6 +6385,232 @@
           </a:prstGeom>
         </p:spPr>
       </p:pic>
+      <p:graphicFrame>
+        <p:nvGraphicFramePr>
+          <p:cNvPr id="2" name="表格 2">
+            <a:extLst>
+              <a:ext uri="{FF2B5EF4-FFF2-40B4-BE49-F238E27FC236}">
+                <a16:creationId xmlns:a16="http://schemas.microsoft.com/office/drawing/2014/main" id="{A1C0951B-9BA5-48B1-8184-2D1B9674248B}"/>
+              </a:ext>
+            </a:extLst>
+          </p:cNvPr>
+          <p:cNvGraphicFramePr>
+            <a:graphicFrameLocks noGrp="1"/>
+          </p:cNvGraphicFramePr>
+          <p:nvPr>
+            <p:extLst>
+              <p:ext uri="{D42A27DB-BD31-4B8C-83A1-F6EECF244321}">
+                <p14:modId xmlns:p14="http://schemas.microsoft.com/office/powerpoint/2010/main" val="2238933981"/>
+              </p:ext>
+            </p:extLst>
+          </p:nvPr>
+        </p:nvGraphicFramePr>
+        <p:xfrm>
+          <a:off x="2031999" y="4283546"/>
+          <a:ext cx="8128000" cy="1112520"/>
+        </p:xfrm>
+        <a:graphic>
+          <a:graphicData uri="http://schemas.openxmlformats.org/drawingml/2006/table">
+            <a:tbl>
+              <a:tblPr firstRow="1" bandRow="1">
+                <a:tableStyleId>{2D5ABB26-0587-4C30-8999-92F81FD0307C}</a:tableStyleId>
+              </a:tblPr>
+              <a:tblGrid>
+                <a:gridCol w="4064000">
+                  <a:extLst>
+                    <a:ext uri="{9D8B030D-6E8A-4147-A177-3AD203B41FA5}">
+                      <a16:colId xmlns:a16="http://schemas.microsoft.com/office/drawing/2014/main" val="2721736007"/>
+                    </a:ext>
+                  </a:extLst>
+                </a:gridCol>
+                <a:gridCol w="4064000">
+                  <a:extLst>
+                    <a:ext uri="{9D8B030D-6E8A-4147-A177-3AD203B41FA5}">
+                      <a16:colId xmlns:a16="http://schemas.microsoft.com/office/drawing/2014/main" val="3793022695"/>
+                    </a:ext>
+                  </a:extLst>
+                </a:gridCol>
+              </a:tblGrid>
+              <a:tr h="370840">
+                <a:tc>
+                  <a:txBody>
+                    <a:bodyPr/>
+                    <a:lstStyle/>
+                    <a:p>
+                      <a:pPr algn="r"/>
+                      <a:r>
+                        <a:rPr lang="zh-CN" altLang="en-US" dirty="0">
+                          <a:solidFill>
+                            <a:srgbClr val="1C4885"/>
+                          </a:solidFill>
+                        </a:rPr>
+                        <a:t>指导老师</a:t>
+                      </a:r>
+                      <a:r>
+                        <a:rPr lang="en-US" altLang="zh-CN" dirty="0">
+                          <a:solidFill>
+                            <a:srgbClr val="1C4885"/>
+                          </a:solidFill>
+                        </a:rPr>
+                        <a:t>:</a:t>
+                      </a:r>
+                      <a:endParaRPr lang="zh-CN" altLang="en-US" dirty="0">
+                        <a:solidFill>
+                          <a:srgbClr val="1C4885"/>
+                        </a:solidFill>
+                        <a:latin typeface="宋体" panose="02010600030101010101" pitchFamily="2" charset="-122"/>
+                        <a:ea typeface="宋体" panose="02010600030101010101" pitchFamily="2" charset="-122"/>
+                      </a:endParaRPr>
+                    </a:p>
+                  </a:txBody>
+                  <a:tcPr/>
+                </a:tc>
+                <a:tc>
+                  <a:txBody>
+                    <a:bodyPr/>
+                    <a:lstStyle/>
+                    <a:p>
+                      <a:r>
+                        <a:rPr lang="zh-CN" altLang="en-US" dirty="0">
+                          <a:solidFill>
+                            <a:srgbClr val="1C4885"/>
+                          </a:solidFill>
+                        </a:rPr>
+                        <a:t>张伟 副教授</a:t>
+                      </a:r>
+                      <a:endParaRPr lang="zh-CN" altLang="en-US" dirty="0">
+                        <a:solidFill>
+                          <a:srgbClr val="1C4885"/>
+                        </a:solidFill>
+                        <a:latin typeface="宋体" panose="02010600030101010101" pitchFamily="2" charset="-122"/>
+                        <a:ea typeface="宋体" panose="02010600030101010101" pitchFamily="2" charset="-122"/>
+                      </a:endParaRPr>
+                    </a:p>
+                  </a:txBody>
+                  <a:tcPr/>
+                </a:tc>
+                <a:extLst>
+                  <a:ext uri="{0D108BD9-81ED-4DB2-BD59-A6C34878D82A}">
+                    <a16:rowId xmlns:a16="http://schemas.microsoft.com/office/drawing/2014/main" val="1039448979"/>
+                  </a:ext>
+                </a:extLst>
+              </a:tr>
+              <a:tr h="370840">
+                <a:tc>
+                  <a:txBody>
+                    <a:bodyPr/>
+                    <a:lstStyle/>
+                    <a:p>
+                      <a:pPr algn="r"/>
+                      <a:endParaRPr lang="zh-CN" altLang="en-US" dirty="0">
+                        <a:solidFill>
+                          <a:srgbClr val="1C4885"/>
+                        </a:solidFill>
+                        <a:latin typeface="宋体" panose="02010600030101010101" pitchFamily="2" charset="-122"/>
+                        <a:ea typeface="宋体" panose="02010600030101010101" pitchFamily="2" charset="-122"/>
+                      </a:endParaRPr>
+                    </a:p>
+                  </a:txBody>
+                  <a:tcPr/>
+                </a:tc>
+                <a:tc>
+                  <a:txBody>
+                    <a:bodyPr/>
+                    <a:lstStyle/>
+                    <a:p>
+                      <a:r>
+                        <a:rPr lang="zh-CN" altLang="en-US" dirty="0">
+                          <a:solidFill>
+                            <a:srgbClr val="1C4885"/>
+                          </a:solidFill>
+                        </a:rPr>
+                        <a:t>黄增峰 副教授</a:t>
+                      </a:r>
+                      <a:endParaRPr lang="zh-CN" altLang="en-US" dirty="0">
+                        <a:solidFill>
+                          <a:srgbClr val="1C4885"/>
+                        </a:solidFill>
+                        <a:latin typeface="宋体" panose="02010600030101010101" pitchFamily="2" charset="-122"/>
+                        <a:ea typeface="宋体" panose="02010600030101010101" pitchFamily="2" charset="-122"/>
+                      </a:endParaRPr>
+                    </a:p>
+                  </a:txBody>
+                  <a:tcPr/>
+                </a:tc>
+                <a:extLst>
+                  <a:ext uri="{0D108BD9-81ED-4DB2-BD59-A6C34878D82A}">
+                    <a16:rowId xmlns:a16="http://schemas.microsoft.com/office/drawing/2014/main" val="932738478"/>
+                  </a:ext>
+                </a:extLst>
+              </a:tr>
+              <a:tr h="370840">
+                <a:tc>
+                  <a:txBody>
+                    <a:bodyPr/>
+                    <a:lstStyle/>
+                    <a:p>
+                      <a:pPr algn="r"/>
+                      <a:r>
+                        <a:rPr lang="zh-CN" altLang="en-US" dirty="0">
+                          <a:solidFill>
+                            <a:srgbClr val="1C4885"/>
+                          </a:solidFill>
+                        </a:rPr>
+                        <a:t>答辩人</a:t>
+                      </a:r>
+                      <a:r>
+                        <a:rPr lang="en-US" altLang="zh-CN" dirty="0">
+                          <a:solidFill>
+                            <a:srgbClr val="1C4885"/>
+                          </a:solidFill>
+                        </a:rPr>
+                        <a:t>:</a:t>
+                      </a:r>
+                      <a:endParaRPr lang="zh-CN" altLang="en-US" dirty="0">
+                        <a:solidFill>
+                          <a:srgbClr val="1C4885"/>
+                        </a:solidFill>
+                        <a:latin typeface="宋体" panose="02010600030101010101" pitchFamily="2" charset="-122"/>
+                        <a:ea typeface="宋体" panose="02010600030101010101" pitchFamily="2" charset="-122"/>
+                      </a:endParaRPr>
+                    </a:p>
+                  </a:txBody>
+                  <a:tcPr/>
+                </a:tc>
+                <a:tc>
+                  <a:txBody>
+                    <a:bodyPr/>
+                    <a:lstStyle/>
+                    <a:p>
+                      <a:r>
+                        <a:rPr lang="zh-CN" altLang="en-US" dirty="0">
+                          <a:solidFill>
+                            <a:srgbClr val="1C4885"/>
+                          </a:solidFill>
+                        </a:rPr>
+                        <a:t>刘唐</a:t>
+                      </a:r>
+                      <a:endParaRPr lang="zh-CN" altLang="en-US" dirty="0">
+                        <a:solidFill>
+                          <a:srgbClr val="1C4885"/>
+                        </a:solidFill>
+                        <a:latin typeface="宋体" panose="02010600030101010101" pitchFamily="2" charset="-122"/>
+                        <a:ea typeface="宋体" panose="02010600030101010101" pitchFamily="2" charset="-122"/>
+                      </a:endParaRPr>
+                    </a:p>
+                  </a:txBody>
+                  <a:tcPr/>
+                </a:tc>
+                <a:extLst>
+                  <a:ext uri="{0D108BD9-81ED-4DB2-BD59-A6C34878D82A}">
+                    <a16:rowId xmlns:a16="http://schemas.microsoft.com/office/drawing/2014/main" val="724857861"/>
+                  </a:ext>
+                </a:extLst>
+              </a:tr>
+            </a:tbl>
+          </a:graphicData>
+        </a:graphic>
+      </p:graphicFrame>
     </p:spTree>
     <p:extLst>
       <p:ext uri="{BB962C8B-B14F-4D97-AF65-F5344CB8AC3E}">
@@ -6436,10 +6623,10 @@
   </p:clrMapOvr>
   <mc:AlternateContent xmlns:mc="http://schemas.openxmlformats.org/markup-compatibility/2006">
     <mc:Choice xmlns:p14="http://schemas.microsoft.com/office/powerpoint/2010/main" Requires="p14">
-      <p:transition p14:dur="10" advTm="9812"/>
+      <p:transition p14:dur="10" advTm="9174"/>
     </mc:Choice>
     <mc:Fallback>
-      <p:transition advTm="9812"/>
+      <p:transition advTm="9174"/>
     </mc:Fallback>
   </mc:AlternateContent>
 </p:sld>
@@ -7075,10 +7262,10 @@
   </p:clrMapOvr>
   <mc:AlternateContent xmlns:mc="http://schemas.openxmlformats.org/markup-compatibility/2006">
     <mc:Choice xmlns:p14="http://schemas.microsoft.com/office/powerpoint/2010/main" Requires="p14">
-      <p:transition p14:dur="10" advTm="14359"/>
+      <p:transition p14:dur="10" advTm="12743"/>
     </mc:Choice>
     <mc:Fallback>
-      <p:transition advTm="14359"/>
+      <p:transition advTm="12743"/>
     </mc:Fallback>
   </mc:AlternateContent>
 </p:sld>
@@ -8121,10 +8308,10 @@
   </p:clrMapOvr>
   <mc:AlternateContent xmlns:mc="http://schemas.openxmlformats.org/markup-compatibility/2006">
     <mc:Choice xmlns:p14="http://schemas.microsoft.com/office/powerpoint/2010/main" Requires="p14">
-      <p:transition p14:dur="10" advTm="30655"/>
+      <p:transition p14:dur="10" advTm="32912"/>
     </mc:Choice>
     <mc:Fallback>
-      <p:transition advTm="30655"/>
+      <p:transition advTm="32912"/>
     </mc:Fallback>
   </mc:AlternateContent>
 </p:sld>
@@ -9104,10 +9291,10 @@
   </p:clrMapOvr>
   <mc:AlternateContent xmlns:mc="http://schemas.openxmlformats.org/markup-compatibility/2006">
     <mc:Choice xmlns:p14="http://schemas.microsoft.com/office/powerpoint/2010/main" Requires="p14">
-      <p:transition p14:dur="10" advTm="28232"/>
+      <p:transition p14:dur="10" advTm="25775"/>
     </mc:Choice>
     <mc:Fallback>
-      <p:transition advTm="28232"/>
+      <p:transition advTm="25775"/>
     </mc:Fallback>
   </mc:AlternateContent>
 </p:sld>
@@ -9763,10 +9950,10 @@
   </p:clrMapOvr>
   <mc:AlternateContent xmlns:mc="http://schemas.openxmlformats.org/markup-compatibility/2006">
     <mc:Choice xmlns:p14="http://schemas.microsoft.com/office/powerpoint/2010/main" Requires="p14">
-      <p:transition p14:dur="10" advTm="48536"/>
+      <p:transition p14:dur="10" advTm="50568"/>
     </mc:Choice>
     <mc:Fallback>
-      <p:transition advTm="48536"/>
+      <p:transition advTm="50568"/>
     </mc:Fallback>
   </mc:AlternateContent>
 </p:sld>
@@ -10625,7 +10812,7 @@
           <a:graphicData uri="http://schemas.openxmlformats.org/presentationml/2006/ole">
             <mc:AlternateContent xmlns:mc="http://schemas.openxmlformats.org/markup-compatibility/2006">
               <mc:Choice xmlns:v="urn:schemas-microsoft-com:vml" Requires="v">
-                <p:oleObj spid="_x0000_s1060" name="Visio" r:id="rId6" imgW="6301705" imgH="5783627" progId="Visio.Drawing.15">
+                <p:oleObj spid="_x0000_s1067" name="Visio" r:id="rId6" imgW="6301705" imgH="5783627" progId="Visio.Drawing.15">
                   <p:embed/>
                 </p:oleObj>
               </mc:Choice>
@@ -10736,10 +10923,10 @@
   </p:clrMapOvr>
   <mc:AlternateContent xmlns:mc="http://schemas.openxmlformats.org/markup-compatibility/2006">
     <mc:Choice xmlns:p14="http://schemas.microsoft.com/office/powerpoint/2010/main" Requires="p14">
-      <p:transition p14:dur="10" advTm="29273"/>
+      <p:transition p14:dur="10" advTm="28839"/>
     </mc:Choice>
     <mc:Fallback>
-      <p:transition advTm="29273"/>
+      <p:transition advTm="28839"/>
     </mc:Fallback>
   </mc:AlternateContent>
 </p:sld>
@@ -11669,7 +11856,7 @@
           <a:graphicData uri="http://schemas.openxmlformats.org/presentationml/2006/ole">
             <mc:AlternateContent xmlns:mc="http://schemas.openxmlformats.org/markup-compatibility/2006">
               <mc:Choice xmlns:v="urn:schemas-microsoft-com:vml" Requires="v">
-                <p:oleObj spid="_x0000_s2081" name="Visio" r:id="rId6" imgW="3444098" imgH="5638973" progId="Visio.Drawing.15">
+                <p:oleObj spid="_x0000_s2088" name="Visio" r:id="rId6" imgW="3444098" imgH="5638973" progId="Visio.Drawing.15">
                   <p:embed/>
                 </p:oleObj>
               </mc:Choice>
@@ -11726,10 +11913,10 @@
   </p:clrMapOvr>
   <mc:AlternateContent xmlns:mc="http://schemas.openxmlformats.org/markup-compatibility/2006">
     <mc:Choice xmlns:p14="http://schemas.microsoft.com/office/powerpoint/2010/main" Requires="p14">
-      <p:transition p14:dur="10" advTm="25069"/>
+      <p:transition p14:dur="10" advTm="25622"/>
     </mc:Choice>
     <mc:Fallback>
-      <p:transition advTm="25069"/>
+      <p:transition advTm="25622"/>
     </mc:Fallback>
   </mc:AlternateContent>
 </p:sld>
@@ -12163,10 +12350,10 @@
   </p:clrMapOvr>
   <mc:AlternateContent xmlns:mc="http://schemas.openxmlformats.org/markup-compatibility/2006">
     <mc:Choice xmlns:p14="http://schemas.microsoft.com/office/powerpoint/2010/main" Requires="p14">
-      <p:transition p14:dur="10" advTm="2823"/>
+      <p:transition p14:dur="10" advTm="4079"/>
     </mc:Choice>
     <mc:Fallback>
-      <p:transition advTm="2823"/>
+      <p:transition advTm="4079"/>
     </mc:Fallback>
   </mc:AlternateContent>
 </p:sld>
@@ -14733,10 +14920,10 @@
   </p:clrMapOvr>
   <mc:AlternateContent xmlns:mc="http://schemas.openxmlformats.org/markup-compatibility/2006">
     <mc:Choice xmlns:p14="http://schemas.microsoft.com/office/powerpoint/2010/main" Requires="p14">
-      <p:transition p14:dur="10" advTm="16175"/>
+      <p:transition p14:dur="10" advTm="18672"/>
     </mc:Choice>
     <mc:Fallback>
-      <p:transition advTm="16175"/>
+      <p:transition advTm="18672"/>
     </mc:Fallback>
   </mc:AlternateContent>
 </p:sld>
@@ -14974,7 +15161,7 @@
           <p:nvPr>
             <p:extLst>
               <p:ext uri="{D42A27DB-BD31-4B8C-83A1-F6EECF244321}">
-                <p14:modId xmlns:p14="http://schemas.microsoft.com/office/powerpoint/2010/main" val="1420315542"/>
+                <p14:modId xmlns:p14="http://schemas.microsoft.com/office/powerpoint/2010/main" val="4238835296"/>
               </p:ext>
             </p:extLst>
           </p:nvPr>
@@ -15391,7 +15578,7 @@
                         </a:spcAft>
                       </a:pPr>
                       <a:r>
-                        <a:rPr lang="en-US" sz="1000">
+                        <a:rPr lang="en-US" sz="1000" dirty="0">
                           <a:effectLst/>
                           <a:latin typeface="Times New Roman" panose="02020603050405020304" pitchFamily="18" charset="0"/>
                           <a:ea typeface="宋体" panose="02010600030101010101" pitchFamily="2" charset="-122"/>
@@ -15399,7 +15586,7 @@
                         </a:rPr>
                         <a:t>85.94</a:t>
                       </a:r>
-                      <a:endParaRPr lang="zh-CN" sz="1000">
+                      <a:endParaRPr lang="zh-CN" sz="1000" dirty="0">
                         <a:effectLst/>
                         <a:latin typeface="ˎ̥"/>
                         <a:ea typeface="宋体" panose="02010600030101010101" pitchFamily="2" charset="-122"/>
@@ -15463,7 +15650,7 @@
                         </a:spcAft>
                       </a:pPr>
                       <a:r>
-                        <a:rPr lang="en-US" sz="1000">
+                        <a:rPr lang="en-US" sz="1000" dirty="0">
                           <a:effectLst/>
                           <a:latin typeface="Times New Roman" panose="02020603050405020304" pitchFamily="18" charset="0"/>
                           <a:ea typeface="宋体" panose="02010600030101010101" pitchFamily="2" charset="-122"/>
@@ -15471,7 +15658,7 @@
                         </a:rPr>
                         <a:t>26.51</a:t>
                       </a:r>
-                      <a:endParaRPr lang="zh-CN" sz="1000">
+                      <a:endParaRPr lang="zh-CN" sz="1000" dirty="0">
                         <a:effectLst/>
                         <a:latin typeface="ˎ̥"/>
                         <a:ea typeface="宋体" panose="02010600030101010101" pitchFamily="2" charset="-122"/>
@@ -15883,7 +16070,7 @@
                         </a:spcAft>
                       </a:pPr>
                       <a:r>
-                        <a:rPr lang="en-US" sz="1000">
+                        <a:rPr lang="en-US" sz="1000" dirty="0">
                           <a:effectLst/>
                           <a:latin typeface="Times New Roman" panose="02020603050405020304" pitchFamily="18" charset="0"/>
                           <a:ea typeface="宋体" panose="02010600030101010101" pitchFamily="2" charset="-122"/>
@@ -15891,7 +16078,7 @@
                         </a:rPr>
                         <a:t>63.21</a:t>
                       </a:r>
-                      <a:endParaRPr lang="zh-CN" sz="1000">
+                      <a:endParaRPr lang="zh-CN" sz="1000" dirty="0">
                         <a:effectLst/>
                         <a:latin typeface="ˎ̥"/>
                         <a:ea typeface="宋体" panose="02010600030101010101" pitchFamily="2" charset="-122"/>
@@ -16303,7 +16490,7 @@
                         </a:spcAft>
                       </a:pPr>
                       <a:r>
-                        <a:rPr lang="en-US" sz="1000">
+                        <a:rPr lang="en-US" sz="1000" dirty="0">
                           <a:effectLst/>
                           <a:latin typeface="Times New Roman" panose="02020603050405020304" pitchFamily="18" charset="0"/>
                           <a:ea typeface="宋体" panose="02010600030101010101" pitchFamily="2" charset="-122"/>
@@ -16311,7 +16498,7 @@
                         </a:rPr>
                         <a:t>59.99</a:t>
                       </a:r>
-                      <a:endParaRPr lang="zh-CN" sz="1000">
+                      <a:endParaRPr lang="zh-CN" sz="1000" dirty="0">
                         <a:effectLst/>
                         <a:latin typeface="ˎ̥"/>
                         <a:ea typeface="宋体" panose="02010600030101010101" pitchFamily="2" charset="-122"/>
@@ -16989,10 +17176,10 @@
   </p:clrMapOvr>
   <mc:AlternateContent xmlns:mc="http://schemas.openxmlformats.org/markup-compatibility/2006">
     <mc:Choice xmlns:p14="http://schemas.microsoft.com/office/powerpoint/2010/main" Requires="p14">
-      <p:transition p14:dur="10" advTm="479"/>
+      <p:transition p14:dur="10" advTm="24968"/>
     </mc:Choice>
     <mc:Fallback>
-      <p:transition advTm="479"/>
+      <p:transition advTm="24968"/>
     </mc:Fallback>
   </mc:AlternateContent>
 </p:sld>
@@ -19024,10 +19211,10 @@
   </p:clrMapOvr>
   <mc:AlternateContent xmlns:mc="http://schemas.openxmlformats.org/markup-compatibility/2006">
     <mc:Choice xmlns:p14="http://schemas.microsoft.com/office/powerpoint/2010/main" Requires="p14">
-      <p:transition p14:dur="10" advTm="320"/>
+      <p:transition p14:dur="10" advTm="5466"/>
     </mc:Choice>
     <mc:Fallback>
-      <p:transition advTm="320"/>
+      <p:transition advTm="5466"/>
     </mc:Fallback>
   </mc:AlternateContent>
 </p:sld>
@@ -19689,10 +19876,10 @@
   </p:clrMapOvr>
   <mc:AlternateContent xmlns:mc="http://schemas.openxmlformats.org/markup-compatibility/2006">
     <mc:Choice xmlns:p14="http://schemas.microsoft.com/office/powerpoint/2010/main" Requires="p14">
-      <p:transition p14:dur="10" advTm="3111"/>
+      <p:transition p14:dur="10" advTm="3070"/>
     </mc:Choice>
     <mc:Fallback>
-      <p:transition advTm="3111"/>
+      <p:transition advTm="3070"/>
     </mc:Fallback>
   </mc:AlternateContent>
 </p:sld>
@@ -21672,10 +21859,10 @@
   </p:clrMapOvr>
   <mc:AlternateContent xmlns:mc="http://schemas.openxmlformats.org/markup-compatibility/2006">
     <mc:Choice xmlns:p14="http://schemas.microsoft.com/office/powerpoint/2010/main" Requires="p14">
-      <p:transition p14:dur="10" advTm="534"/>
+      <p:transition p14:dur="10" advTm="797"/>
     </mc:Choice>
     <mc:Fallback>
-      <p:transition advTm="534"/>
+      <p:transition advTm="797"/>
     </mc:Fallback>
   </mc:AlternateContent>
 </p:sld>
@@ -23720,10 +23907,10 @@
   </p:clrMapOvr>
   <mc:AlternateContent xmlns:mc="http://schemas.openxmlformats.org/markup-compatibility/2006">
     <mc:Choice xmlns:p14="http://schemas.microsoft.com/office/powerpoint/2010/main" Requires="p14">
-      <p:transition p14:dur="10" advTm="11719"/>
+      <p:transition p14:dur="10" advTm="744"/>
     </mc:Choice>
     <mc:Fallback>
-      <p:transition advTm="11719"/>
+      <p:transition advTm="744"/>
     </mc:Fallback>
   </mc:AlternateContent>
 </p:sld>
@@ -25866,10 +26053,10 @@
   </p:clrMapOvr>
   <mc:AlternateContent xmlns:mc="http://schemas.openxmlformats.org/markup-compatibility/2006">
     <mc:Choice xmlns:p14="http://schemas.microsoft.com/office/powerpoint/2010/main" Requires="p14">
-      <p:transition p14:dur="10" advTm="353"/>
+      <p:transition p14:dur="10" advTm="519"/>
     </mc:Choice>
     <mc:Fallback>
-      <p:transition advTm="353"/>
+      <p:transition advTm="519"/>
     </mc:Fallback>
   </mc:AlternateContent>
 </p:sld>
@@ -27947,10 +28134,10 @@
   </p:clrMapOvr>
   <mc:AlternateContent xmlns:mc="http://schemas.openxmlformats.org/markup-compatibility/2006">
     <mc:Choice xmlns:p14="http://schemas.microsoft.com/office/powerpoint/2010/main" Requires="p14">
-      <p:transition p14:dur="10" advTm="672"/>
+      <p:transition p14:dur="10" advTm="1111"/>
     </mc:Choice>
     <mc:Fallback>
-      <p:transition advTm="672"/>
+      <p:transition advTm="1111"/>
     </mc:Fallback>
   </mc:AlternateContent>
 </p:sld>
@@ -28490,10 +28677,10 @@
   </p:clrMapOvr>
   <mc:AlternateContent xmlns:mc="http://schemas.openxmlformats.org/markup-compatibility/2006">
     <mc:Choice xmlns:p14="http://schemas.microsoft.com/office/powerpoint/2010/main" Requires="p14">
-      <p:transition p14:dur="10" advTm="33312"/>
+      <p:transition p14:dur="10" advTm="35473"/>
     </mc:Choice>
     <mc:Fallback>
-      <p:transition advTm="33312"/>
+      <p:transition advTm="35473"/>
     </mc:Fallback>
   </mc:AlternateContent>
 </p:sld>
@@ -31333,10 +31520,10 @@
   </p:clrMapOvr>
   <mc:AlternateContent xmlns:mc="http://schemas.openxmlformats.org/markup-compatibility/2006">
     <mc:Choice xmlns:p14="http://schemas.microsoft.com/office/powerpoint/2010/main" Requires="p14">
-      <p:transition p14:dur="10" advTm="2880"/>
+      <p:transition p14:dur="10" advTm="27934"/>
     </mc:Choice>
     <mc:Fallback>
-      <p:transition advTm="2880"/>
+      <p:transition advTm="27934"/>
     </mc:Fallback>
   </mc:AlternateContent>
 </p:sld>
@@ -33443,10 +33630,10 @@
   </p:clrMapOvr>
   <mc:AlternateContent xmlns:mc="http://schemas.openxmlformats.org/markup-compatibility/2006">
     <mc:Choice xmlns:p14="http://schemas.microsoft.com/office/powerpoint/2010/main" Requires="p14">
-      <p:transition p14:dur="10" advTm="13271"/>
+      <p:transition p14:dur="10" advTm="15961"/>
     </mc:Choice>
     <mc:Fallback>
-      <p:transition advTm="13271"/>
+      <p:transition advTm="15961"/>
     </mc:Fallback>
   </mc:AlternateContent>
 </p:sld>
@@ -35683,10 +35870,10 @@
   </p:clrMapOvr>
   <mc:AlternateContent xmlns:mc="http://schemas.openxmlformats.org/markup-compatibility/2006">
     <mc:Choice xmlns:p14="http://schemas.microsoft.com/office/powerpoint/2010/main" Requires="p14">
-      <p:transition p14:dur="10" advTm="268"/>
+      <p:transition p14:dur="10" advTm="1373"/>
     </mc:Choice>
     <mc:Fallback>
-      <p:transition advTm="268"/>
+      <p:transition advTm="1373"/>
     </mc:Fallback>
   </mc:AlternateContent>
 </p:sld>
@@ -37741,10 +37928,10 @@
   </p:clrMapOvr>
   <mc:AlternateContent xmlns:mc="http://schemas.openxmlformats.org/markup-compatibility/2006">
     <mc:Choice xmlns:p14="http://schemas.microsoft.com/office/powerpoint/2010/main" Requires="p14">
-      <p:transition p14:dur="10" advTm="3138"/>
+      <p:transition p14:dur="10" advTm="3015"/>
     </mc:Choice>
     <mc:Fallback>
-      <p:transition advTm="3138"/>
+      <p:transition advTm="3015"/>
     </mc:Fallback>
   </mc:AlternateContent>
 </p:sld>
@@ -38126,10 +38313,10 @@
   </p:clrMapOvr>
   <mc:AlternateContent xmlns:mc="http://schemas.openxmlformats.org/markup-compatibility/2006">
     <mc:Choice xmlns:p14="http://schemas.microsoft.com/office/powerpoint/2010/main" Requires="p14">
-      <p:transition p14:dur="10" advTm="3309"/>
+      <p:transition p14:dur="10" advTm="438"/>
     </mc:Choice>
     <mc:Fallback>
-      <p:transition advTm="3309"/>
+      <p:transition advTm="438"/>
     </mc:Fallback>
   </mc:AlternateContent>
 </p:sld>
@@ -38511,10 +38698,10 @@
   </p:clrMapOvr>
   <mc:AlternateContent xmlns:mc="http://schemas.openxmlformats.org/markup-compatibility/2006">
     <mc:Choice xmlns:p14="http://schemas.microsoft.com/office/powerpoint/2010/main" Requires="p14">
-      <p:transition p14:dur="10" advTm="1927"/>
+      <p:transition p14:dur="10" advTm="2248"/>
     </mc:Choice>
     <mc:Fallback>
-      <p:transition advTm="1927"/>
+      <p:transition advTm="2248"/>
     </mc:Fallback>
   </mc:AlternateContent>
 </p:sld>
@@ -39600,10 +39787,10 @@
   </p:clrMapOvr>
   <mc:AlternateContent xmlns:mc="http://schemas.openxmlformats.org/markup-compatibility/2006">
     <mc:Choice xmlns:p14="http://schemas.microsoft.com/office/powerpoint/2010/main" Requires="p14">
-      <p:transition p14:dur="10" advTm="67264"/>
+      <p:transition p14:dur="10" advTm="42391"/>
     </mc:Choice>
     <mc:Fallback>
-      <p:transition advTm="67264"/>
+      <p:transition advTm="42391"/>
     </mc:Fallback>
   </mc:AlternateContent>
 </p:sld>
@@ -40022,10 +40209,10 @@
   </p:clrMapOvr>
   <mc:AlternateContent xmlns:mc="http://schemas.openxmlformats.org/markup-compatibility/2006">
     <mc:Choice xmlns:p14="http://schemas.microsoft.com/office/powerpoint/2010/main" Requires="p14">
-      <p:transition p14:dur="10" advTm="8264"/>
+      <p:transition p14:dur="10" advTm="5046"/>
     </mc:Choice>
     <mc:Fallback>
-      <p:transition advTm="8264"/>
+      <p:transition advTm="5046"/>
     </mc:Fallback>
   </mc:AlternateContent>
 </p:sld>
@@ -40440,10 +40627,10 @@
   </p:clrMapOvr>
   <mc:AlternateContent xmlns:mc="http://schemas.openxmlformats.org/markup-compatibility/2006">
     <mc:Choice xmlns:p14="http://schemas.microsoft.com/office/powerpoint/2010/main" Requires="p14">
-      <p:transition p14:dur="10" advTm="35976"/>
+      <p:transition p14:dur="10" advTm="31358"/>
     </mc:Choice>
     <mc:Fallback>
-      <p:transition advTm="35976"/>
+      <p:transition advTm="31358"/>
     </mc:Fallback>
   </mc:AlternateContent>
 </p:sld>
@@ -40658,8 +40845,8 @@
           </a:p>
         </p:txBody>
       </p:sp>
-      <mc:AlternateContent xmlns:mc="http://schemas.openxmlformats.org/markup-compatibility/2006">
-        <mc:Choice xmlns:a14="http://schemas.microsoft.com/office/drawing/2010/main" Requires="a14">
+      <mc:AlternateContent xmlns:mc="http://schemas.openxmlformats.org/markup-compatibility/2006" xmlns:a14="http://schemas.microsoft.com/office/drawing/2010/main">
+        <mc:Choice Requires="a14">
           <p:sp>
             <p:nvSpPr>
               <p:cNvPr id="11" name="文本框 10">
@@ -40732,12 +40919,16 @@
                       <m:sSup>
                         <m:sSupPr>
                           <m:ctrlPr>
-                            <a:rPr lang="zh-CN" altLang="zh-CN" i="1"/>
+                            <a:rPr lang="zh-CN" altLang="zh-CN" i="1">
+                              <a:latin typeface="Cambria Math" panose="02040503050406030204" pitchFamily="18" charset="0"/>
+                            </a:rPr>
                           </m:ctrlPr>
                         </m:sSupPr>
                         <m:e>
                           <m:r>
-                            <a:rPr lang="en-US" altLang="zh-CN" i="1"/>
+                            <a:rPr lang="en-US" altLang="zh-CN" i="1">
+                              <a:latin typeface="Cambria Math" panose="02040503050406030204" pitchFamily="18" charset="0"/>
+                            </a:rPr>
                             <m:t>𝐻</m:t>
                           </m:r>
                         </m:e>
@@ -40745,16 +40936,22 @@
                           <m:d>
                             <m:dPr>
                               <m:ctrlPr>
-                                <a:rPr lang="zh-CN" altLang="zh-CN" i="1"/>
+                                <a:rPr lang="zh-CN" altLang="zh-CN" i="1">
+                                  <a:latin typeface="Cambria Math" panose="02040503050406030204" pitchFamily="18" charset="0"/>
+                                </a:rPr>
                               </m:ctrlPr>
                             </m:dPr>
                             <m:e>
                               <m:r>
-                                <a:rPr lang="en-US" altLang="zh-CN" i="1"/>
+                                <a:rPr lang="en-US" altLang="zh-CN" i="1">
+                                  <a:latin typeface="Cambria Math" panose="02040503050406030204" pitchFamily="18" charset="0"/>
+                                </a:rPr>
                                 <m:t>𝑙</m:t>
                               </m:r>
                               <m:r>
-                                <a:rPr lang="en-US" altLang="zh-CN" i="1"/>
+                                <a:rPr lang="en-US" altLang="zh-CN" i="1">
+                                  <a:latin typeface="Cambria Math" panose="02040503050406030204" pitchFamily="18" charset="0"/>
+                                </a:rPr>
                                 <m:t>+1</m:t>
                               </m:r>
                             </m:e>
@@ -40762,24 +40959,32 @@
                         </m:sup>
                       </m:sSup>
                       <m:r>
-                        <a:rPr lang="en-US" altLang="zh-CN" i="1"/>
+                        <a:rPr lang="en-US" altLang="zh-CN" i="1">
+                          <a:latin typeface="Cambria Math" panose="02040503050406030204" pitchFamily="18" charset="0"/>
+                        </a:rPr>
                         <m:t>=</m:t>
                       </m:r>
                       <m:r>
-                        <a:rPr lang="en-US" altLang="zh-CN" i="1"/>
+                        <a:rPr lang="en-US" altLang="zh-CN" i="1">
+                          <a:latin typeface="Cambria Math" panose="02040503050406030204" pitchFamily="18" charset="0"/>
+                        </a:rPr>
                         <m:t>𝜎</m:t>
                       </m:r>
                       <m:d>
                         <m:dPr>
                           <m:ctrlPr>
-                            <a:rPr lang="zh-CN" altLang="zh-CN" i="1"/>
+                            <a:rPr lang="zh-CN" altLang="zh-CN" i="1">
+                              <a:latin typeface="Cambria Math" panose="02040503050406030204" pitchFamily="18" charset="0"/>
+                            </a:rPr>
                           </m:ctrlPr>
                         </m:dPr>
                         <m:e>
                           <m:sSup>
                             <m:sSupPr>
                               <m:ctrlPr>
-                                <a:rPr lang="zh-CN" altLang="zh-CN" i="1"/>
+                                <a:rPr lang="zh-CN" altLang="zh-CN" i="1">
+                                  <a:latin typeface="Cambria Math" panose="02040503050406030204" pitchFamily="18" charset="0"/>
+                                </a:rPr>
                               </m:ctrlPr>
                             </m:sSupPr>
                             <m:e>
@@ -40787,12 +40992,16 @@
                                 <m:accPr>
                                   <m:chr m:val="̃"/>
                                   <m:ctrlPr>
-                                    <a:rPr lang="zh-CN" altLang="zh-CN" i="1"/>
+                                    <a:rPr lang="zh-CN" altLang="zh-CN" i="1">
+                                      <a:latin typeface="Cambria Math" panose="02040503050406030204" pitchFamily="18" charset="0"/>
+                                    </a:rPr>
                                   </m:ctrlPr>
                                 </m:accPr>
                                 <m:e>
                                   <m:r>
-                                    <a:rPr lang="en-US" altLang="zh-CN" i="1"/>
+                                    <a:rPr lang="en-US" altLang="zh-CN" i="1">
+                                      <a:latin typeface="Cambria Math" panose="02040503050406030204" pitchFamily="18" charset="0"/>
+                                    </a:rPr>
                                     <m:t>𝐷</m:t>
                                   </m:r>
                                 </m:e>
@@ -40800,24 +41009,32 @@
                             </m:e>
                             <m:sup>
                               <m:r>
-                                <a:rPr lang="en-US" altLang="zh-CN" i="1"/>
+                                <a:rPr lang="en-US" altLang="zh-CN" i="1">
+                                  <a:latin typeface="Cambria Math" panose="02040503050406030204" pitchFamily="18" charset="0"/>
+                                </a:rPr>
                                 <m:t>−</m:t>
                               </m:r>
                               <m:f>
                                 <m:fPr>
                                   <m:ctrlPr>
-                                    <a:rPr lang="zh-CN" altLang="zh-CN" i="1"/>
+                                    <a:rPr lang="zh-CN" altLang="zh-CN" i="1">
+                                      <a:latin typeface="Cambria Math" panose="02040503050406030204" pitchFamily="18" charset="0"/>
+                                    </a:rPr>
                                   </m:ctrlPr>
                                 </m:fPr>
                                 <m:num>
                                   <m:r>
-                                    <a:rPr lang="en-US" altLang="zh-CN" i="1"/>
+                                    <a:rPr lang="en-US" altLang="zh-CN" i="1">
+                                      <a:latin typeface="Cambria Math" panose="02040503050406030204" pitchFamily="18" charset="0"/>
+                                    </a:rPr>
                                     <m:t>1</m:t>
                                   </m:r>
                                 </m:num>
                                 <m:den>
                                   <m:r>
-                                    <a:rPr lang="en-US" altLang="zh-CN" i="1"/>
+                                    <a:rPr lang="en-US" altLang="zh-CN" i="1">
+                                      <a:latin typeface="Cambria Math" panose="02040503050406030204" pitchFamily="18" charset="0"/>
+                                    </a:rPr>
                                     <m:t>2</m:t>
                                   </m:r>
                                 </m:den>
@@ -40828,12 +41045,16 @@
                             <m:accPr>
                               <m:chr m:val="̃"/>
                               <m:ctrlPr>
-                                <a:rPr lang="zh-CN" altLang="zh-CN" i="1"/>
+                                <a:rPr lang="zh-CN" altLang="zh-CN" i="1">
+                                  <a:latin typeface="Cambria Math" panose="02040503050406030204" pitchFamily="18" charset="0"/>
+                                </a:rPr>
                               </m:ctrlPr>
                             </m:accPr>
                             <m:e>
                               <m:r>
-                                <a:rPr lang="en-US" altLang="zh-CN" i="1"/>
+                                <a:rPr lang="en-US" altLang="zh-CN" i="1">
+                                  <a:latin typeface="Cambria Math" panose="02040503050406030204" pitchFamily="18" charset="0"/>
+                                </a:rPr>
                                 <m:t>𝐴</m:t>
                               </m:r>
                             </m:e>
@@ -40841,7 +41062,9 @@
                           <m:sSup>
                             <m:sSupPr>
                               <m:ctrlPr>
-                                <a:rPr lang="zh-CN" altLang="zh-CN" i="1"/>
+                                <a:rPr lang="zh-CN" altLang="zh-CN" i="1">
+                                  <a:latin typeface="Cambria Math" panose="02040503050406030204" pitchFamily="18" charset="0"/>
+                                </a:rPr>
                               </m:ctrlPr>
                             </m:sSupPr>
                             <m:e>
@@ -40849,12 +41072,16 @@
                                 <m:accPr>
                                   <m:chr m:val="̃"/>
                                   <m:ctrlPr>
-                                    <a:rPr lang="zh-CN" altLang="zh-CN" i="1"/>
+                                    <a:rPr lang="zh-CN" altLang="zh-CN" i="1">
+                                      <a:latin typeface="Cambria Math" panose="02040503050406030204" pitchFamily="18" charset="0"/>
+                                    </a:rPr>
                                   </m:ctrlPr>
                                 </m:accPr>
                                 <m:e>
                                   <m:r>
-                                    <a:rPr lang="en-US" altLang="zh-CN" i="1"/>
+                                    <a:rPr lang="en-US" altLang="zh-CN" i="1">
+                                      <a:latin typeface="Cambria Math" panose="02040503050406030204" pitchFamily="18" charset="0"/>
+                                    </a:rPr>
                                     <m:t>𝐷</m:t>
                                   </m:r>
                                 </m:e>
@@ -40862,24 +41089,32 @@
                             </m:e>
                             <m:sup>
                               <m:r>
-                                <a:rPr lang="en-US" altLang="zh-CN" i="1"/>
+                                <a:rPr lang="en-US" altLang="zh-CN" i="1">
+                                  <a:latin typeface="Cambria Math" panose="02040503050406030204" pitchFamily="18" charset="0"/>
+                                </a:rPr>
                                 <m:t>−</m:t>
                               </m:r>
                               <m:f>
                                 <m:fPr>
                                   <m:ctrlPr>
-                                    <a:rPr lang="zh-CN" altLang="zh-CN" i="1"/>
+                                    <a:rPr lang="zh-CN" altLang="zh-CN" i="1">
+                                      <a:latin typeface="Cambria Math" panose="02040503050406030204" pitchFamily="18" charset="0"/>
+                                    </a:rPr>
                                   </m:ctrlPr>
                                 </m:fPr>
                                 <m:num>
                                   <m:r>
-                                    <a:rPr lang="en-US" altLang="zh-CN" i="1"/>
+                                    <a:rPr lang="en-US" altLang="zh-CN" i="1">
+                                      <a:latin typeface="Cambria Math" panose="02040503050406030204" pitchFamily="18" charset="0"/>
+                                    </a:rPr>
                                     <m:t>1</m:t>
                                   </m:r>
                                 </m:num>
                                 <m:den>
                                   <m:r>
-                                    <a:rPr lang="en-US" altLang="zh-CN" i="1"/>
+                                    <a:rPr lang="en-US" altLang="zh-CN" i="1">
+                                      <a:latin typeface="Cambria Math" panose="02040503050406030204" pitchFamily="18" charset="0"/>
+                                    </a:rPr>
                                     <m:t>2</m:t>
                                   </m:r>
                                 </m:den>
@@ -40889,12 +41124,16 @@
                           <m:sSup>
                             <m:sSupPr>
                               <m:ctrlPr>
-                                <a:rPr lang="zh-CN" altLang="zh-CN" i="1"/>
+                                <a:rPr lang="zh-CN" altLang="zh-CN" i="1">
+                                  <a:latin typeface="Cambria Math" panose="02040503050406030204" pitchFamily="18" charset="0"/>
+                                </a:rPr>
                               </m:ctrlPr>
                             </m:sSupPr>
                             <m:e>
                               <m:r>
-                                <a:rPr lang="en-US" altLang="zh-CN" i="1"/>
+                                <a:rPr lang="en-US" altLang="zh-CN" i="1">
+                                  <a:latin typeface="Cambria Math" panose="02040503050406030204" pitchFamily="18" charset="0"/>
+                                </a:rPr>
                                 <m:t>𝐻</m:t>
                               </m:r>
                             </m:e>
@@ -40902,12 +41141,16 @@
                               <m:d>
                                 <m:dPr>
                                   <m:ctrlPr>
-                                    <a:rPr lang="zh-CN" altLang="zh-CN" i="1"/>
+                                    <a:rPr lang="zh-CN" altLang="zh-CN" i="1">
+                                      <a:latin typeface="Cambria Math" panose="02040503050406030204" pitchFamily="18" charset="0"/>
+                                    </a:rPr>
                                   </m:ctrlPr>
                                 </m:dPr>
                                 <m:e>
                                   <m:r>
-                                    <a:rPr lang="en-US" altLang="zh-CN" i="1"/>
+                                    <a:rPr lang="en-US" altLang="zh-CN" i="1">
+                                      <a:latin typeface="Cambria Math" panose="02040503050406030204" pitchFamily="18" charset="0"/>
+                                    </a:rPr>
                                     <m:t>𝑙</m:t>
                                   </m:r>
                                 </m:e>
@@ -40917,12 +41160,16 @@
                           <m:sSup>
                             <m:sSupPr>
                               <m:ctrlPr>
-                                <a:rPr lang="zh-CN" altLang="zh-CN" i="1"/>
+                                <a:rPr lang="zh-CN" altLang="zh-CN" i="1">
+                                  <a:latin typeface="Cambria Math" panose="02040503050406030204" pitchFamily="18" charset="0"/>
+                                </a:rPr>
                               </m:ctrlPr>
                             </m:sSupPr>
                             <m:e>
                               <m:r>
-                                <a:rPr lang="en-US" altLang="zh-CN" i="1"/>
+                                <a:rPr lang="en-US" altLang="zh-CN" i="1">
+                                  <a:latin typeface="Cambria Math" panose="02040503050406030204" pitchFamily="18" charset="0"/>
+                                </a:rPr>
                                 <m:t>𝑊</m:t>
                               </m:r>
                             </m:e>
@@ -40930,12 +41177,16 @@
                               <m:d>
                                 <m:dPr>
                                   <m:ctrlPr>
-                                    <a:rPr lang="zh-CN" altLang="zh-CN" i="1"/>
+                                    <a:rPr lang="zh-CN" altLang="zh-CN" i="1">
+                                      <a:latin typeface="Cambria Math" panose="02040503050406030204" pitchFamily="18" charset="0"/>
+                                    </a:rPr>
                                   </m:ctrlPr>
                                 </m:dPr>
                                 <m:e>
                                   <m:r>
-                                    <a:rPr lang="en-US" altLang="zh-CN" i="1"/>
+                                    <a:rPr lang="en-US" altLang="zh-CN" i="1">
+                                      <a:latin typeface="Cambria Math" panose="02040503050406030204" pitchFamily="18" charset="0"/>
+                                    </a:rPr>
                                     <m:t>𝑙</m:t>
                                   </m:r>
                                 </m:e>
@@ -40961,7 +41212,7 @@
             </p:txBody>
           </p:sp>
         </mc:Choice>
-        <mc:Fallback>
+        <mc:Fallback xmlns="">
           <p:sp>
             <p:nvSpPr>
               <p:cNvPr id="11" name="文本框 10">
@@ -41018,10 +41269,10 @@
   </p:clrMapOvr>
   <mc:AlternateContent xmlns:mc="http://schemas.openxmlformats.org/markup-compatibility/2006">
     <mc:Choice xmlns:p14="http://schemas.microsoft.com/office/powerpoint/2010/main" Requires="p14">
-      <p:transition p14:dur="10" advTm="10671"/>
+      <p:transition p14:dur="10" advTm="10296"/>
     </mc:Choice>
     <mc:Fallback>
-      <p:transition advTm="10671"/>
+      <p:transition advTm="10296"/>
     </mc:Fallback>
   </mc:AlternateContent>
 </p:sld>
@@ -43364,10 +43615,10 @@
   </p:clrMapOvr>
   <mc:AlternateContent xmlns:mc="http://schemas.openxmlformats.org/markup-compatibility/2006">
     <mc:Choice xmlns:p14="http://schemas.microsoft.com/office/powerpoint/2010/main" Requires="p14">
-      <p:transition p14:dur="10" advTm="16922"/>
+      <p:transition p14:dur="10" advTm="17176"/>
     </mc:Choice>
     <mc:Fallback>
-      <p:transition advTm="16922"/>
+      <p:transition advTm="17176"/>
     </mc:Fallback>
   </mc:AlternateContent>
 </p:sld>
@@ -43801,10 +44052,10 @@
   </p:clrMapOvr>
   <mc:AlternateContent xmlns:mc="http://schemas.openxmlformats.org/markup-compatibility/2006">
     <mc:Choice xmlns:p14="http://schemas.microsoft.com/office/powerpoint/2010/main" Requires="p14">
-      <p:transition p14:dur="10" advTm="29855"/>
+      <p:transition p14:dur="10" advTm="18447"/>
     </mc:Choice>
     <mc:Fallback>
-      <p:transition advTm="29855"/>
+      <p:transition advTm="18447"/>
     </mc:Fallback>
   </mc:AlternateContent>
 </p:sld>
@@ -44516,10 +44767,10 @@
   </p:clrMapOvr>
   <mc:AlternateContent xmlns:mc="http://schemas.openxmlformats.org/markup-compatibility/2006">
     <mc:Choice xmlns:p14="http://schemas.microsoft.com/office/powerpoint/2010/main" Requires="p14">
-      <p:transition p14:dur="10" advTm="8157"/>
+      <p:transition p14:dur="10" advTm="10255"/>
     </mc:Choice>
     <mc:Fallback>
-      <p:transition advTm="8157"/>
+      <p:transition advTm="10255"/>
     </mc:Fallback>
   </mc:AlternateContent>
 </p:sld>
@@ -45867,10 +46118,10 @@
   </p:clrMapOvr>
   <mc:AlternateContent xmlns:mc="http://schemas.openxmlformats.org/markup-compatibility/2006">
     <mc:Choice xmlns:p14="http://schemas.microsoft.com/office/powerpoint/2010/main" Requires="p14">
-      <p:transition p14:dur="10" advTm="32486"/>
+      <p:transition p14:dur="10" advTm="26477"/>
     </mc:Choice>
     <mc:Fallback>
-      <p:transition advTm="32486"/>
+      <p:transition advTm="26477"/>
     </mc:Fallback>
   </mc:AlternateContent>
 </p:sld>
